--- a/white-paper-latex/images/central-chain-pot-reward.pptx
+++ b/white-paper-latex/images/central-chain-pot-reward.pptx
@@ -261,7 +261,7 @@
           <a:p>
             <a:fld id="{5BADB5D0-59AD-4935-9C5C-7AA021348FB2}" type="datetimeFigureOut">
               <a:rPr lang="en-AU" smtClean="0"/>
-              <a:t>21/12/2018</a:t>
+              <a:t>15/01/2019</a:t>
             </a:fld>
             <a:endParaRPr lang="en-AU"/>
           </a:p>
@@ -461,7 +461,7 @@
           <a:p>
             <a:fld id="{5BADB5D0-59AD-4935-9C5C-7AA021348FB2}" type="datetimeFigureOut">
               <a:rPr lang="en-AU" smtClean="0"/>
-              <a:t>21/12/2018</a:t>
+              <a:t>15/01/2019</a:t>
             </a:fld>
             <a:endParaRPr lang="en-AU"/>
           </a:p>
@@ -671,7 +671,7 @@
           <a:p>
             <a:fld id="{5BADB5D0-59AD-4935-9C5C-7AA021348FB2}" type="datetimeFigureOut">
               <a:rPr lang="en-AU" smtClean="0"/>
-              <a:t>21/12/2018</a:t>
+              <a:t>15/01/2019</a:t>
             </a:fld>
             <a:endParaRPr lang="en-AU"/>
           </a:p>
@@ -871,7 +871,7 @@
           <a:p>
             <a:fld id="{5BADB5D0-59AD-4935-9C5C-7AA021348FB2}" type="datetimeFigureOut">
               <a:rPr lang="en-AU" smtClean="0"/>
-              <a:t>21/12/2018</a:t>
+              <a:t>15/01/2019</a:t>
             </a:fld>
             <a:endParaRPr lang="en-AU"/>
           </a:p>
@@ -1147,7 +1147,7 @@
           <a:p>
             <a:fld id="{5BADB5D0-59AD-4935-9C5C-7AA021348FB2}" type="datetimeFigureOut">
               <a:rPr lang="en-AU" smtClean="0"/>
-              <a:t>21/12/2018</a:t>
+              <a:t>15/01/2019</a:t>
             </a:fld>
             <a:endParaRPr lang="en-AU"/>
           </a:p>
@@ -1415,7 +1415,7 @@
           <a:p>
             <a:fld id="{5BADB5D0-59AD-4935-9C5C-7AA021348FB2}" type="datetimeFigureOut">
               <a:rPr lang="en-AU" smtClean="0"/>
-              <a:t>21/12/2018</a:t>
+              <a:t>15/01/2019</a:t>
             </a:fld>
             <a:endParaRPr lang="en-AU"/>
           </a:p>
@@ -1830,7 +1830,7 @@
           <a:p>
             <a:fld id="{5BADB5D0-59AD-4935-9C5C-7AA021348FB2}" type="datetimeFigureOut">
               <a:rPr lang="en-AU" smtClean="0"/>
-              <a:t>21/12/2018</a:t>
+              <a:t>15/01/2019</a:t>
             </a:fld>
             <a:endParaRPr lang="en-AU"/>
           </a:p>
@@ -1972,7 +1972,7 @@
           <a:p>
             <a:fld id="{5BADB5D0-59AD-4935-9C5C-7AA021348FB2}" type="datetimeFigureOut">
               <a:rPr lang="en-AU" smtClean="0"/>
-              <a:t>21/12/2018</a:t>
+              <a:t>15/01/2019</a:t>
             </a:fld>
             <a:endParaRPr lang="en-AU"/>
           </a:p>
@@ -2085,7 +2085,7 @@
           <a:p>
             <a:fld id="{5BADB5D0-59AD-4935-9C5C-7AA021348FB2}" type="datetimeFigureOut">
               <a:rPr lang="en-AU" smtClean="0"/>
-              <a:t>21/12/2018</a:t>
+              <a:t>15/01/2019</a:t>
             </a:fld>
             <a:endParaRPr lang="en-AU"/>
           </a:p>
@@ -2398,7 +2398,7 @@
           <a:p>
             <a:fld id="{5BADB5D0-59AD-4935-9C5C-7AA021348FB2}" type="datetimeFigureOut">
               <a:rPr lang="en-AU" smtClean="0"/>
-              <a:t>21/12/2018</a:t>
+              <a:t>15/01/2019</a:t>
             </a:fld>
             <a:endParaRPr lang="en-AU"/>
           </a:p>
@@ -2687,7 +2687,7 @@
           <a:p>
             <a:fld id="{5BADB5D0-59AD-4935-9C5C-7AA021348FB2}" type="datetimeFigureOut">
               <a:rPr lang="en-AU" smtClean="0"/>
-              <a:t>21/12/2018</a:t>
+              <a:t>15/01/2019</a:t>
             </a:fld>
             <a:endParaRPr lang="en-AU"/>
           </a:p>
@@ -2930,7 +2930,7 @@
           <a:p>
             <a:fld id="{5BADB5D0-59AD-4935-9C5C-7AA021348FB2}" type="datetimeFigureOut">
               <a:rPr lang="en-AU" smtClean="0"/>
-              <a:t>21/12/2018</a:t>
+              <a:t>15/01/2019</a:t>
             </a:fld>
             <a:endParaRPr lang="en-AU"/>
           </a:p>
@@ -4583,7 +4583,7 @@
                   <a:latin typeface="Roboto Condensed" panose="02000000000000000000" pitchFamily="2" charset="0"/>
                   <a:ea typeface="Roboto Condensed" panose="02000000000000000000" pitchFamily="2" charset="0"/>
                 </a:rPr>
-                <a:t>272</a:t>
+                <a:t>273</a:t>
               </a:r>
               <a:endParaRPr lang="en-AU" sz="2800" dirty="0">
                 <a:latin typeface="Roboto Condensed" panose="02000000000000000000" pitchFamily="2" charset="0"/>
@@ -4789,7 +4789,7 @@
                   <a:latin typeface="Roboto Condensed" panose="02000000000000000000" pitchFamily="2" charset="0"/>
                   <a:ea typeface="Roboto Condensed" panose="02000000000000000000" pitchFamily="2" charset="0"/>
                 </a:rPr>
-                <a:t>272</a:t>
+                <a:t>274</a:t>
               </a:r>
               <a:endParaRPr lang="en-AU" sz="2800" dirty="0">
                 <a:latin typeface="Roboto Condensed" panose="02000000000000000000" pitchFamily="2" charset="0"/>
@@ -4995,7 +4995,7 @@
                   <a:latin typeface="Roboto Condensed" panose="02000000000000000000" pitchFamily="2" charset="0"/>
                   <a:ea typeface="Roboto Condensed" panose="02000000000000000000" pitchFamily="2" charset="0"/>
                 </a:rPr>
-                <a:t>272</a:t>
+                <a:t>275</a:t>
               </a:r>
               <a:endParaRPr lang="en-AU" sz="2800" dirty="0">
                 <a:latin typeface="Roboto Condensed" panose="02000000000000000000" pitchFamily="2" charset="0"/>
@@ -5190,18 +5190,18 @@
             <a:lstStyle/>
             <a:p>
               <a:r>
-                <a:rPr lang="en-AU" sz="2800" dirty="0">
+                <a:rPr lang="en-AU" sz="2800">
                   <a:latin typeface="Roboto Condensed" panose="02000000000000000000" pitchFamily="2" charset="0"/>
                   <a:ea typeface="Roboto Condensed" panose="02000000000000000000" pitchFamily="2" charset="0"/>
                 </a:rPr>
                 <a:t>b</a:t>
               </a:r>
               <a:r>
-                <a:rPr lang="en-AU" sz="2800" baseline="-25000" dirty="0">
+                <a:rPr lang="en-AU" sz="2800" baseline="-25000">
                   <a:latin typeface="Roboto Condensed" panose="02000000000000000000" pitchFamily="2" charset="0"/>
                   <a:ea typeface="Roboto Condensed" panose="02000000000000000000" pitchFamily="2" charset="0"/>
                 </a:rPr>
-                <a:t>272</a:t>
+                <a:t>276</a:t>
               </a:r>
               <a:endParaRPr lang="en-AU" sz="2800" dirty="0">
                 <a:latin typeface="Roboto Condensed" panose="02000000000000000000" pitchFamily="2" charset="0"/>
